--- a/16/beom/WebServer.pptx
+++ b/16/beom/WebServer.pptx
@@ -1989,7 +1989,7 @@
           <a:p>
             <a:fld id="{35E87A9C-3629-4C00-B345-D33EEDCBC4E7}" type="datetimeFigureOut">
               <a:rPr lang="ko-KR" altLang="en-US" smtClean="0"/>
-              <a:t>2022-04-16</a:t>
+              <a:t>2022-04-17</a:t>
             </a:fld>
             <a:endParaRPr lang="ko-KR" altLang="en-US"/>
           </a:p>
@@ -2187,7 +2187,7 @@
           <a:p>
             <a:fld id="{35E87A9C-3629-4C00-B345-D33EEDCBC4E7}" type="datetimeFigureOut">
               <a:rPr lang="ko-KR" altLang="en-US" smtClean="0"/>
-              <a:t>2022-04-16</a:t>
+              <a:t>2022-04-17</a:t>
             </a:fld>
             <a:endParaRPr lang="ko-KR" altLang="en-US"/>
           </a:p>
@@ -2395,7 +2395,7 @@
           <a:p>
             <a:fld id="{35E87A9C-3629-4C00-B345-D33EEDCBC4E7}" type="datetimeFigureOut">
               <a:rPr lang="ko-KR" altLang="en-US" smtClean="0"/>
-              <a:t>2022-04-16</a:t>
+              <a:t>2022-04-17</a:t>
             </a:fld>
             <a:endParaRPr lang="ko-KR" altLang="en-US"/>
           </a:p>
@@ -2593,7 +2593,7 @@
           <a:p>
             <a:fld id="{35E87A9C-3629-4C00-B345-D33EEDCBC4E7}" type="datetimeFigureOut">
               <a:rPr lang="ko-KR" altLang="en-US" smtClean="0"/>
-              <a:t>2022-04-16</a:t>
+              <a:t>2022-04-17</a:t>
             </a:fld>
             <a:endParaRPr lang="ko-KR" altLang="en-US"/>
           </a:p>
@@ -2868,7 +2868,7 @@
           <a:p>
             <a:fld id="{35E87A9C-3629-4C00-B345-D33EEDCBC4E7}" type="datetimeFigureOut">
               <a:rPr lang="ko-KR" altLang="en-US" smtClean="0"/>
-              <a:t>2022-04-16</a:t>
+              <a:t>2022-04-17</a:t>
             </a:fld>
             <a:endParaRPr lang="ko-KR" altLang="en-US"/>
           </a:p>
@@ -3133,7 +3133,7 @@
           <a:p>
             <a:fld id="{35E87A9C-3629-4C00-B345-D33EEDCBC4E7}" type="datetimeFigureOut">
               <a:rPr lang="ko-KR" altLang="en-US" smtClean="0"/>
-              <a:t>2022-04-16</a:t>
+              <a:t>2022-04-17</a:t>
             </a:fld>
             <a:endParaRPr lang="ko-KR" altLang="en-US"/>
           </a:p>
@@ -3545,7 +3545,7 @@
           <a:p>
             <a:fld id="{35E87A9C-3629-4C00-B345-D33EEDCBC4E7}" type="datetimeFigureOut">
               <a:rPr lang="ko-KR" altLang="en-US" smtClean="0"/>
-              <a:t>2022-04-16</a:t>
+              <a:t>2022-04-17</a:t>
             </a:fld>
             <a:endParaRPr lang="ko-KR" altLang="en-US"/>
           </a:p>
@@ -3686,7 +3686,7 @@
           <a:p>
             <a:fld id="{35E87A9C-3629-4C00-B345-D33EEDCBC4E7}" type="datetimeFigureOut">
               <a:rPr lang="ko-KR" altLang="en-US" smtClean="0"/>
-              <a:t>2022-04-16</a:t>
+              <a:t>2022-04-17</a:t>
             </a:fld>
             <a:endParaRPr lang="ko-KR" altLang="en-US"/>
           </a:p>
@@ -3799,7 +3799,7 @@
           <a:p>
             <a:fld id="{35E87A9C-3629-4C00-B345-D33EEDCBC4E7}" type="datetimeFigureOut">
               <a:rPr lang="ko-KR" altLang="en-US" smtClean="0"/>
-              <a:t>2022-04-16</a:t>
+              <a:t>2022-04-17</a:t>
             </a:fld>
             <a:endParaRPr lang="ko-KR" altLang="en-US"/>
           </a:p>
@@ -4110,7 +4110,7 @@
           <a:p>
             <a:fld id="{35E87A9C-3629-4C00-B345-D33EEDCBC4E7}" type="datetimeFigureOut">
               <a:rPr lang="ko-KR" altLang="en-US" smtClean="0"/>
-              <a:t>2022-04-16</a:t>
+              <a:t>2022-04-17</a:t>
             </a:fld>
             <a:endParaRPr lang="ko-KR" altLang="en-US"/>
           </a:p>
@@ -4398,7 +4398,7 @@
           <a:p>
             <a:fld id="{35E87A9C-3629-4C00-B345-D33EEDCBC4E7}" type="datetimeFigureOut">
               <a:rPr lang="ko-KR" altLang="en-US" smtClean="0"/>
-              <a:t>2022-04-16</a:t>
+              <a:t>2022-04-17</a:t>
             </a:fld>
             <a:endParaRPr lang="ko-KR" altLang="en-US"/>
           </a:p>
@@ -4639,7 +4639,7 @@
           <a:p>
             <a:fld id="{35E87A9C-3629-4C00-B345-D33EEDCBC4E7}" type="datetimeFigureOut">
               <a:rPr lang="ko-KR" altLang="en-US" smtClean="0"/>
-              <a:t>2022-04-16</a:t>
+              <a:t>2022-04-17</a:t>
             </a:fld>
             <a:endParaRPr lang="ko-KR" altLang="en-US"/>
           </a:p>
@@ -13023,6 +13023,36 @@
           </a:p>
         </p:txBody>
       </p:sp>
+      <p:pic>
+        <p:nvPicPr>
+          <p:cNvPr id="4" name="그림 3">
+            <a:extLst>
+              <a:ext uri="{FF2B5EF4-FFF2-40B4-BE49-F238E27FC236}">
+                <a16:creationId xmlns:a16="http://schemas.microsoft.com/office/drawing/2014/main" id="{0642C8A3-F558-40E9-A08E-9504100F2814}"/>
+              </a:ext>
+            </a:extLst>
+          </p:cNvPr>
+          <p:cNvPicPr>
+            <a:picLocks noChangeAspect="1"/>
+          </p:cNvPicPr>
+          <p:nvPr/>
+        </p:nvPicPr>
+        <p:blipFill>
+          <a:blip r:embed="rId3"/>
+          <a:stretch>
+            <a:fillRect/>
+          </a:stretch>
+        </p:blipFill>
+        <p:spPr>
+          <a:xfrm>
+            <a:off x="2472872" y="2749645"/>
+            <a:ext cx="6474230" cy="3561689"/>
+          </a:xfrm>
+          <a:prstGeom prst="rect">
+            <a:avLst/>
+          </a:prstGeom>
+        </p:spPr>
+      </p:pic>
     </p:spTree>
     <p:extLst>
       <p:ext uri="{BB962C8B-B14F-4D97-AF65-F5344CB8AC3E}">
